--- a/Music Genre Classification.pptx
+++ b/Music Genre Classification.pptx
@@ -7,9 +7,15 @@
   <p:sldIdLst>
     <p:sldId id="256" r:id="rId2"/>
     <p:sldId id="257" r:id="rId3"/>
-    <p:sldId id="260" r:id="rId4"/>
-    <p:sldId id="258" r:id="rId5"/>
-    <p:sldId id="259" r:id="rId6"/>
+    <p:sldId id="261" r:id="rId4"/>
+    <p:sldId id="262" r:id="rId5"/>
+    <p:sldId id="260" r:id="rId6"/>
+    <p:sldId id="258" r:id="rId7"/>
+    <p:sldId id="259" r:id="rId8"/>
+    <p:sldId id="263" r:id="rId9"/>
+    <p:sldId id="264" r:id="rId10"/>
+    <p:sldId id="265" r:id="rId11"/>
+    <p:sldId id="266" r:id="rId12"/>
   </p:sldIdLst>
   <p:sldSz cx="12192000" cy="6858000"/>
   <p:notesSz cx="6858000" cy="9144000"/>
@@ -108,6 +114,11 @@
       </a:defRPr>
     </a:lvl9pPr>
   </p:defaultTextStyle>
+  <p:extLst>
+    <p:ext uri="{EFAFB233-063F-42B5-8137-9DF3F51BA10A}">
+      <p15:sldGuideLst xmlns:p15="http://schemas.microsoft.com/office/powerpoint/2012/main"/>
+    </p:ext>
+  </p:extLst>
 </p:presentation>
 </file>
 
@@ -1323,7 +1334,7 @@
             <a:fld id="{9334D819-9F07-4261-B09B-9E467E5D9002}" type="datetimeFigureOut">
               <a:rPr lang="en-US" dirty="0"/>
               <a:pPr/>
-              <a:t>10/28/2019</a:t>
+              <a:t>04-Dec-19</a:t>
             </a:fld>
             <a:endParaRPr lang="en-US" dirty="0"/>
           </a:p>
@@ -1557,7 +1568,7 @@
           <a:p>
             <a:fld id="{9334D819-9F07-4261-B09B-9E467E5D9002}" type="datetimeFigureOut">
               <a:rPr lang="en-US" dirty="0"/>
-              <a:t>10/28/2019</a:t>
+              <a:t>04-Dec-19</a:t>
             </a:fld>
             <a:endParaRPr lang="en-US" dirty="0"/>
           </a:p>
@@ -1732,7 +1743,7 @@
           <a:p>
             <a:fld id="{9334D819-9F07-4261-B09B-9E467E5D9002}" type="datetimeFigureOut">
               <a:rPr lang="en-US" dirty="0"/>
-              <a:t>10/28/2019</a:t>
+              <a:t>04-Dec-19</a:t>
             </a:fld>
             <a:endParaRPr lang="en-US" dirty="0"/>
           </a:p>
@@ -1897,7 +1908,7 @@
           <a:p>
             <a:fld id="{9334D819-9F07-4261-B09B-9E467E5D9002}" type="datetimeFigureOut">
               <a:rPr lang="en-US" dirty="0"/>
-              <a:t>10/28/2019</a:t>
+              <a:t>04-Dec-19</a:t>
             </a:fld>
             <a:endParaRPr lang="en-US" dirty="0"/>
           </a:p>
@@ -2169,7 +2180,7 @@
             <a:fld id="{9334D819-9F07-4261-B09B-9E467E5D9002}" type="datetimeFigureOut">
               <a:rPr lang="en-US" dirty="0"/>
               <a:pPr/>
-              <a:t>10/28/2019</a:t>
+              <a:t>04-Dec-19</a:t>
             </a:fld>
             <a:endParaRPr lang="en-US" dirty="0"/>
           </a:p>
@@ -3366,7 +3377,7 @@
           <a:p>
             <a:fld id="{9334D819-9F07-4261-B09B-9E467E5D9002}" type="datetimeFigureOut">
               <a:rPr lang="en-US" dirty="0"/>
-              <a:t>10/28/2019</a:t>
+              <a:t>04-Dec-19</a:t>
             </a:fld>
             <a:endParaRPr lang="en-US" dirty="0"/>
           </a:p>
@@ -3751,7 +3762,7 @@
           <a:p>
             <a:fld id="{9334D819-9F07-4261-B09B-9E467E5D9002}" type="datetimeFigureOut">
               <a:rPr lang="en-US" dirty="0"/>
-              <a:t>10/28/2019</a:t>
+              <a:t>04-Dec-19</a:t>
             </a:fld>
             <a:endParaRPr lang="en-US" dirty="0"/>
           </a:p>
@@ -3869,7 +3880,7 @@
           <a:p>
             <a:fld id="{9334D819-9F07-4261-B09B-9E467E5D9002}" type="datetimeFigureOut">
               <a:rPr lang="en-US" dirty="0"/>
-              <a:t>10/28/2019</a:t>
+              <a:t>04-Dec-19</a:t>
             </a:fld>
             <a:endParaRPr lang="en-US" dirty="0"/>
           </a:p>
@@ -3959,7 +3970,7 @@
           <a:p>
             <a:fld id="{9334D819-9F07-4261-B09B-9E467E5D9002}" type="datetimeFigureOut">
               <a:rPr lang="en-US" dirty="0"/>
-              <a:t>10/28/2019</a:t>
+              <a:t>04-Dec-19</a:t>
             </a:fld>
             <a:endParaRPr lang="en-US" dirty="0"/>
           </a:p>
@@ -4717,7 +4728,7 @@
           <a:p>
             <a:fld id="{9334D819-9F07-4261-B09B-9E467E5D9002}" type="datetimeFigureOut">
               <a:rPr lang="en-US" dirty="0"/>
-              <a:t>10/28/2019</a:t>
+              <a:t>04-Dec-19</a:t>
             </a:fld>
             <a:endParaRPr lang="en-US" dirty="0"/>
           </a:p>
@@ -5552,7 +5563,7 @@
           <a:p>
             <a:fld id="{9334D819-9F07-4261-B09B-9E467E5D9002}" type="datetimeFigureOut">
               <a:rPr lang="en-US" dirty="0"/>
-              <a:t>10/28/2019</a:t>
+              <a:t>04-Dec-19</a:t>
             </a:fld>
             <a:endParaRPr lang="en-US" dirty="0"/>
           </a:p>
@@ -5775,7 +5786,7 @@
             <a:fld id="{9334D819-9F07-4261-B09B-9E467E5D9002}" type="datetimeFigureOut">
               <a:rPr lang="en-US" dirty="0"/>
               <a:pPr/>
-              <a:t>10/28/2019</a:t>
+              <a:t>04-Dec-19</a:t>
             </a:fld>
             <a:endParaRPr lang="en-US" dirty="0"/>
           </a:p>
@@ -6821,8 +6832,13 @@
           <a:p>
             <a:r>
               <a:rPr lang="en-US" dirty="0"/>
-              <a:t>Cse-465 section-02</a:t>
-            </a:r>
+              <a:t>Cse-465 </a:t>
+            </a:r>
+            <a:r>
+              <a:rPr lang="en-US" dirty="0" smtClean="0"/>
+              <a:t>section-01</a:t>
+            </a:r>
+            <a:endParaRPr lang="en-US" dirty="0"/>
           </a:p>
         </p:txBody>
       </p:sp>
@@ -6830,6 +6846,297 @@
     <p:extLst>
       <p:ext uri="{BB962C8B-B14F-4D97-AF65-F5344CB8AC3E}">
         <p14:creationId xmlns:p14="http://schemas.microsoft.com/office/powerpoint/2010/main" val="284696672"/>
+      </p:ext>
+    </p:extLst>
+  </p:cSld>
+  <p:clrMapOvr>
+    <a:masterClrMapping/>
+  </p:clrMapOvr>
+</p:sld>
+</file>
+
+<file path=ppt/slides/slide10.xml><?xml version="1.0" encoding="utf-8"?>
+<p:sld xmlns:a="http://schemas.openxmlformats.org/drawingml/2006/main" xmlns:r="http://schemas.openxmlformats.org/officeDocument/2006/relationships" xmlns:p="http://schemas.openxmlformats.org/presentationml/2006/main">
+  <p:cSld>
+    <p:spTree>
+      <p:nvGrpSpPr>
+        <p:cNvPr id="1" name=""/>
+        <p:cNvGrpSpPr/>
+        <p:nvPr/>
+      </p:nvGrpSpPr>
+      <p:grpSpPr>
+        <a:xfrm>
+          <a:off x="0" y="0"/>
+          <a:ext cx="0" cy="0"/>
+          <a:chOff x="0" y="0"/>
+          <a:chExt cx="0" cy="0"/>
+        </a:xfrm>
+      </p:grpSpPr>
+      <p:sp>
+        <p:nvSpPr>
+          <p:cNvPr id="2" name="Title 1"/>
+          <p:cNvSpPr>
+            <a:spLocks noGrp="1"/>
+          </p:cNvSpPr>
+          <p:nvPr>
+            <p:ph type="title"/>
+          </p:nvPr>
+        </p:nvSpPr>
+        <p:spPr/>
+        <p:txBody>
+          <a:bodyPr/>
+          <a:lstStyle/>
+          <a:p>
+            <a:r>
+              <a:rPr lang="en-US" dirty="0" smtClean="0"/>
+              <a:t>Chroma Frequencies</a:t>
+            </a:r>
+            <a:endParaRPr lang="en-US" dirty="0"/>
+          </a:p>
+        </p:txBody>
+      </p:sp>
+      <p:pic>
+        <p:nvPicPr>
+          <p:cNvPr id="4" name="Picture 3"/>
+          <p:cNvPicPr>
+            <a:picLocks noChangeAspect="1"/>
+          </p:cNvPicPr>
+          <p:nvPr/>
+        </p:nvPicPr>
+        <p:blipFill>
+          <a:blip r:embed="rId2">
+            <a:extLst>
+              <a:ext uri="{28A0092B-C50C-407E-A947-70E740481C1C}">
+                <a14:useLocalDpi xmlns:a14="http://schemas.microsoft.com/office/drawing/2010/main" val="0"/>
+              </a:ext>
+            </a:extLst>
+          </a:blip>
+          <a:stretch>
+            <a:fillRect/>
+          </a:stretch>
+        </p:blipFill>
+        <p:spPr>
+          <a:xfrm>
+            <a:off x="4431211" y="3929787"/>
+            <a:ext cx="4143953" cy="2286319"/>
+          </a:xfrm>
+          <a:prstGeom prst="rect">
+            <a:avLst/>
+          </a:prstGeom>
+        </p:spPr>
+      </p:pic>
+      <p:pic>
+        <p:nvPicPr>
+          <p:cNvPr id="5" name="Picture 4"/>
+          <p:cNvPicPr>
+            <a:picLocks noChangeAspect="1"/>
+          </p:cNvPicPr>
+          <p:nvPr/>
+        </p:nvPicPr>
+        <p:blipFill>
+          <a:blip r:embed="rId3">
+            <a:extLst>
+              <a:ext uri="{28A0092B-C50C-407E-A947-70E740481C1C}">
+                <a14:useLocalDpi xmlns:a14="http://schemas.microsoft.com/office/drawing/2010/main" val="0"/>
+              </a:ext>
+            </a:extLst>
+          </a:blip>
+          <a:stretch>
+            <a:fillRect/>
+          </a:stretch>
+        </p:blipFill>
+        <p:spPr>
+          <a:xfrm>
+            <a:off x="6503188" y="1128450"/>
+            <a:ext cx="4439270" cy="2286319"/>
+          </a:xfrm>
+          <a:prstGeom prst="rect">
+            <a:avLst/>
+          </a:prstGeom>
+        </p:spPr>
+      </p:pic>
+      <p:pic>
+        <p:nvPicPr>
+          <p:cNvPr id="6" name="Picture 5"/>
+          <p:cNvPicPr>
+            <a:picLocks noChangeAspect="1"/>
+          </p:cNvPicPr>
+          <p:nvPr/>
+        </p:nvPicPr>
+        <p:blipFill>
+          <a:blip r:embed="rId4">
+            <a:extLst>
+              <a:ext uri="{28A0092B-C50C-407E-A947-70E740481C1C}">
+                <a14:useLocalDpi xmlns:a14="http://schemas.microsoft.com/office/drawing/2010/main" val="0"/>
+              </a:ext>
+            </a:extLst>
+          </a:blip>
+          <a:stretch>
+            <a:fillRect/>
+          </a:stretch>
+        </p:blipFill>
+        <p:spPr>
+          <a:xfrm>
+            <a:off x="1110655" y="1128451"/>
+            <a:ext cx="4401164" cy="2286319"/>
+          </a:xfrm>
+          <a:prstGeom prst="rect">
+            <a:avLst/>
+          </a:prstGeom>
+        </p:spPr>
+      </p:pic>
+      <p:sp>
+        <p:nvSpPr>
+          <p:cNvPr id="7" name="TextBox 6"/>
+          <p:cNvSpPr txBox="1"/>
+          <p:nvPr/>
+        </p:nvSpPr>
+        <p:spPr>
+          <a:xfrm>
+            <a:off x="1770235" y="3509300"/>
+            <a:ext cx="1704634" cy="369332"/>
+          </a:xfrm>
+          <a:prstGeom prst="rect">
+            <a:avLst/>
+          </a:prstGeom>
+          <a:noFill/>
+        </p:spPr>
+        <p:txBody>
+          <a:bodyPr wrap="none" rtlCol="0">
+            <a:spAutoFit/>
+          </a:bodyPr>
+          <a:lstStyle/>
+          <a:p>
+            <a:r>
+              <a:rPr lang="en-US" dirty="0" smtClean="0"/>
+              <a:t>Fig: CF for Blues</a:t>
+            </a:r>
+            <a:endParaRPr lang="en-US" dirty="0"/>
+          </a:p>
+        </p:txBody>
+      </p:sp>
+      <p:sp>
+        <p:nvSpPr>
+          <p:cNvPr id="8" name="TextBox 7"/>
+          <p:cNvSpPr txBox="1"/>
+          <p:nvPr/>
+        </p:nvSpPr>
+        <p:spPr>
+          <a:xfrm>
+            <a:off x="7870506" y="3487612"/>
+            <a:ext cx="2006447" cy="369332"/>
+          </a:xfrm>
+          <a:prstGeom prst="rect">
+            <a:avLst/>
+          </a:prstGeom>
+          <a:noFill/>
+        </p:spPr>
+        <p:txBody>
+          <a:bodyPr wrap="none" rtlCol="0">
+            <a:spAutoFit/>
+          </a:bodyPr>
+          <a:lstStyle/>
+          <a:p>
+            <a:r>
+              <a:rPr lang="en-US" dirty="0" smtClean="0"/>
+              <a:t>Fig: CF for Country</a:t>
+            </a:r>
+            <a:endParaRPr lang="en-US" dirty="0"/>
+          </a:p>
+        </p:txBody>
+      </p:sp>
+      <p:sp>
+        <p:nvSpPr>
+          <p:cNvPr id="9" name="TextBox 8"/>
+          <p:cNvSpPr txBox="1"/>
+          <p:nvPr/>
+        </p:nvSpPr>
+        <p:spPr>
+          <a:xfrm>
+            <a:off x="5488522" y="6361791"/>
+            <a:ext cx="1725472" cy="369332"/>
+          </a:xfrm>
+          <a:prstGeom prst="rect">
+            <a:avLst/>
+          </a:prstGeom>
+          <a:noFill/>
+        </p:spPr>
+        <p:txBody>
+          <a:bodyPr wrap="none" rtlCol="0">
+            <a:spAutoFit/>
+          </a:bodyPr>
+          <a:lstStyle/>
+          <a:p>
+            <a:r>
+              <a:rPr lang="en-US" dirty="0" smtClean="0"/>
+              <a:t>Fig: CF for Metal</a:t>
+            </a:r>
+            <a:endParaRPr lang="en-US" dirty="0"/>
+          </a:p>
+        </p:txBody>
+      </p:sp>
+    </p:spTree>
+    <p:extLst>
+      <p:ext uri="{BB962C8B-B14F-4D97-AF65-F5344CB8AC3E}">
+        <p14:creationId xmlns:p14="http://schemas.microsoft.com/office/powerpoint/2010/main" val="3463873861"/>
+      </p:ext>
+    </p:extLst>
+  </p:cSld>
+  <p:clrMapOvr>
+    <a:masterClrMapping/>
+  </p:clrMapOvr>
+</p:sld>
+</file>
+
+<file path=ppt/slides/slide11.xml><?xml version="1.0" encoding="utf-8"?>
+<p:sld xmlns:a="http://schemas.openxmlformats.org/drawingml/2006/main" xmlns:r="http://schemas.openxmlformats.org/officeDocument/2006/relationships" xmlns:p="http://schemas.openxmlformats.org/presentationml/2006/main">
+  <p:cSld>
+    <p:spTree>
+      <p:nvGrpSpPr>
+        <p:cNvPr id="1" name=""/>
+        <p:cNvGrpSpPr/>
+        <p:nvPr/>
+      </p:nvGrpSpPr>
+      <p:grpSpPr>
+        <a:xfrm>
+          <a:off x="0" y="0"/>
+          <a:ext cx="0" cy="0"/>
+          <a:chOff x="0" y="0"/>
+          <a:chExt cx="0" cy="0"/>
+        </a:xfrm>
+      </p:grpSpPr>
+      <p:sp>
+        <p:nvSpPr>
+          <p:cNvPr id="2" name="Title 1"/>
+          <p:cNvSpPr>
+            <a:spLocks noGrp="1"/>
+          </p:cNvSpPr>
+          <p:nvPr>
+            <p:ph type="title"/>
+          </p:nvPr>
+        </p:nvSpPr>
+        <p:spPr>
+          <a:xfrm>
+            <a:off x="1160238" y="2144684"/>
+            <a:ext cx="10178322" cy="1492132"/>
+          </a:xfrm>
+        </p:spPr>
+        <p:txBody>
+          <a:bodyPr/>
+          <a:lstStyle/>
+          <a:p>
+            <a:r>
+              <a:rPr lang="en-US" dirty="0" smtClean="0"/>
+              <a:t>Thank You</a:t>
+            </a:r>
+            <a:endParaRPr lang="en-US" dirty="0"/>
+          </a:p>
+        </p:txBody>
+      </p:sp>
+    </p:spTree>
+    <p:extLst>
+      <p:ext uri="{BB962C8B-B14F-4D97-AF65-F5344CB8AC3E}">
+        <p14:creationId xmlns:p14="http://schemas.microsoft.com/office/powerpoint/2010/main" val="2759915789"/>
       </p:ext>
     </p:extLst>
   </p:cSld>
@@ -6878,9 +7185,10 @@
           <a:lstStyle/>
           <a:p>
             <a:r>
-              <a:rPr lang="en-US" dirty="0"/>
-              <a:t>Why we’re doing this?</a:t>
-            </a:r>
+              <a:rPr lang="en-US" dirty="0" smtClean="0"/>
+              <a:t>At first:</a:t>
+            </a:r>
+            <a:endParaRPr lang="en-US" dirty="0"/>
           </a:p>
         </p:txBody>
       </p:sp>
@@ -6900,7 +7208,12 @@
             <p:ph idx="1"/>
           </p:nvPr>
         </p:nvSpPr>
-        <p:spPr/>
+        <p:spPr>
+          <a:xfrm>
+            <a:off x="1251678" y="2286002"/>
+            <a:ext cx="10178322" cy="4243136"/>
+          </a:xfrm>
+        </p:spPr>
         <p:txBody>
           <a:bodyPr>
             <a:normAutofit/>
@@ -6911,18 +7224,55 @@
           </a:p>
           <a:p>
             <a:r>
-              <a:rPr lang="en-US" sz="3200" dirty="0"/>
-              <a:t>To use in large scale music libraries.</a:t>
-            </a:r>
-          </a:p>
-          <a:p>
+              <a:rPr lang="en-US" sz="3200" dirty="0" smtClean="0"/>
+              <a:t>Setup environment, download dataset, load the libraries. </a:t>
+            </a:r>
             <a:endParaRPr lang="en-US" sz="3200" dirty="0"/>
           </a:p>
           <a:p>
-            <a:r>
-              <a:rPr lang="en-US" sz="3200" dirty="0"/>
-              <a:t>To use in search engines.</a:t>
-            </a:r>
+            <a:endParaRPr lang="en-US" sz="3200" dirty="0"/>
+          </a:p>
+          <a:p>
+            <a:r>
+              <a:rPr lang="en-US" sz="3200" dirty="0" smtClean="0"/>
+              <a:t>Dataset Link:</a:t>
+            </a:r>
+          </a:p>
+          <a:p>
+            <a:pPr marL="0" indent="0">
+              <a:buNone/>
+            </a:pPr>
+            <a:r>
+              <a:rPr lang="en-US" sz="3200" dirty="0" smtClean="0">
+                <a:hlinkClick r:id="rId2"/>
+              </a:rPr>
+              <a:t>	`http</a:t>
+            </a:r>
+            <a:r>
+              <a:rPr lang="en-US" sz="3200" dirty="0">
+                <a:hlinkClick r:id="rId2"/>
+              </a:rPr>
+              <a:t>://</a:t>
+            </a:r>
+            <a:r>
+              <a:rPr lang="en-US" sz="3200" dirty="0" smtClean="0">
+                <a:hlinkClick r:id="rId2"/>
+              </a:rPr>
+              <a:t>marsyas.info/downloads/datasets.html</a:t>
+            </a:r>
+            <a:endParaRPr lang="en-US" sz="3200" dirty="0" smtClean="0"/>
+          </a:p>
+          <a:p>
+            <a:r>
+              <a:rPr lang="en-US" sz="3200" dirty="0" smtClean="0"/>
+              <a:t>Total Classifiers : 10 </a:t>
+            </a:r>
+          </a:p>
+          <a:p>
+            <a:pPr marL="0" indent="0">
+              <a:buNone/>
+            </a:pPr>
+            <a:endParaRPr lang="en-US" sz="3200" dirty="0"/>
           </a:p>
           <a:p>
             <a:pPr marL="0" indent="0">
@@ -6964,13 +7314,7 @@
       </p:grpSpPr>
       <p:sp>
         <p:nvSpPr>
-          <p:cNvPr id="2" name="Title 1">
-            <a:extLst>
-              <a:ext uri="{FF2B5EF4-FFF2-40B4-BE49-F238E27FC236}">
-                <a16:creationId xmlns:a16="http://schemas.microsoft.com/office/drawing/2014/main" id="{E8CC4921-667D-4B42-B807-AB2EBB273685}"/>
-              </a:ext>
-            </a:extLst>
-          </p:cNvPr>
+          <p:cNvPr id="2" name="Title 1"/>
           <p:cNvSpPr>
             <a:spLocks noGrp="1"/>
           </p:cNvSpPr>
@@ -6984,21 +7328,16 @@
           <a:lstStyle/>
           <a:p>
             <a:r>
-              <a:rPr lang="en-US" dirty="0"/>
-              <a:t>Related works</a:t>
-            </a:r>
-          </a:p>
-        </p:txBody>
-      </p:sp>
-      <p:sp>
-        <p:nvSpPr>
-          <p:cNvPr id="3" name="Content Placeholder 2">
-            <a:extLst>
-              <a:ext uri="{FF2B5EF4-FFF2-40B4-BE49-F238E27FC236}">
-                <a16:creationId xmlns:a16="http://schemas.microsoft.com/office/drawing/2014/main" id="{57140AEF-209F-421C-81C9-2EA67D9ECC6B}"/>
-              </a:ext>
-            </a:extLst>
-          </p:cNvPr>
+              <a:rPr lang="en-US" dirty="0" smtClean="0"/>
+              <a:t>Visualizing the Data:</a:t>
+            </a:r>
+            <a:endParaRPr lang="en-US" dirty="0"/>
+          </a:p>
+        </p:txBody>
+      </p:sp>
+      <p:sp>
+        <p:nvSpPr>
+          <p:cNvPr id="3" name="Content Placeholder 2"/>
           <p:cNvSpPr>
             <a:spLocks noGrp="1"/>
           </p:cNvSpPr>
@@ -7009,41 +7348,126 @@
         <p:spPr/>
         <p:txBody>
           <a:bodyPr>
-            <a:noAutofit/>
+            <a:normAutofit/>
           </a:bodyPr>
           <a:lstStyle/>
           <a:p>
             <a:r>
-              <a:rPr lang="en-US" sz="2800" dirty="0"/>
-              <a:t>In 2002, G. </a:t>
-            </a:r>
-            <a:r>
-              <a:rPr lang="en-US" sz="2800" dirty="0" err="1"/>
-              <a:t>Tzanetakis</a:t>
-            </a:r>
-            <a:r>
-              <a:rPr lang="en-US" sz="2800" dirty="0"/>
-              <a:t> and P. Cook used both the mixture of Gaussians model and k-nearest neighbors and achieved 61% accuracy.</a:t>
-            </a:r>
-          </a:p>
-          <a:p>
-            <a:pPr marL="0" indent="0">
-              <a:buNone/>
-            </a:pPr>
-            <a:endParaRPr lang="en-US" sz="2800" dirty="0"/>
-          </a:p>
-          <a:p>
-            <a:r>
-              <a:rPr lang="en-US" sz="2800" dirty="0"/>
-              <a:t>2003 when C. Xu et al. used multiple layers of SVMs to achieve over 90% accuracy on a dataset containing only four genres. </a:t>
-            </a:r>
+              <a:rPr lang="en-US" sz="3600" dirty="0" smtClean="0">
+                <a:solidFill>
+                  <a:schemeClr val="bg2">
+                    <a:lumMod val="50000"/>
+                  </a:schemeClr>
+                </a:solidFill>
+              </a:rPr>
+              <a:t>Waveform</a:t>
+            </a:r>
+          </a:p>
+          <a:p>
+            <a:r>
+              <a:rPr lang="en-US" sz="3600" dirty="0" smtClean="0">
+                <a:solidFill>
+                  <a:schemeClr val="bg2">
+                    <a:lumMod val="50000"/>
+                  </a:schemeClr>
+                </a:solidFill>
+              </a:rPr>
+              <a:t>Spectrogram</a:t>
+            </a:r>
+          </a:p>
+          <a:p>
+            <a:r>
+              <a:rPr lang="en-US" sz="3600" dirty="0" smtClean="0">
+                <a:solidFill>
+                  <a:schemeClr val="bg2">
+                    <a:lumMod val="50000"/>
+                  </a:schemeClr>
+                </a:solidFill>
+              </a:rPr>
+              <a:t>Playing Audio</a:t>
+            </a:r>
+            <a:endParaRPr lang="en-US" sz="3600" dirty="0">
+              <a:solidFill>
+                <a:schemeClr val="bg2">
+                  <a:lumMod val="50000"/>
+                </a:schemeClr>
+              </a:solidFill>
+            </a:endParaRPr>
+          </a:p>
+        </p:txBody>
+      </p:sp>
+      <p:pic>
+        <p:nvPicPr>
+          <p:cNvPr id="4" name="Picture 3"/>
+          <p:cNvPicPr>
+            <a:picLocks noChangeAspect="1"/>
+          </p:cNvPicPr>
+          <p:nvPr/>
+        </p:nvPicPr>
+        <p:blipFill>
+          <a:blip r:embed="rId2">
+            <a:extLst>
+              <a:ext uri="{28A0092B-C50C-407E-A947-70E740481C1C}">
+                <a14:useLocalDpi xmlns:a14="http://schemas.microsoft.com/office/drawing/2010/main" val="0"/>
+              </a:ext>
+            </a:extLst>
+          </a:blip>
+          <a:stretch>
+            <a:fillRect/>
+          </a:stretch>
+        </p:blipFill>
+        <p:spPr>
+          <a:xfrm>
+            <a:off x="3587728" y="4708430"/>
+            <a:ext cx="3620005" cy="533474"/>
+          </a:xfrm>
+          <a:prstGeom prst="rect">
+            <a:avLst/>
+          </a:prstGeom>
+        </p:spPr>
+      </p:pic>
+      <p:sp>
+        <p:nvSpPr>
+          <p:cNvPr id="5" name="TextBox 4"/>
+          <p:cNvSpPr txBox="1"/>
+          <p:nvPr/>
+        </p:nvSpPr>
+        <p:spPr>
+          <a:xfrm>
+            <a:off x="3640293" y="5510260"/>
+            <a:ext cx="3514873" cy="369332"/>
+          </a:xfrm>
+          <a:prstGeom prst="rect">
+            <a:avLst/>
+          </a:prstGeom>
+          <a:noFill/>
+        </p:spPr>
+        <p:txBody>
+          <a:bodyPr wrap="none" rtlCol="0">
+            <a:spAutoFit/>
+          </a:bodyPr>
+          <a:lstStyle/>
+          <a:p>
+            <a:r>
+              <a:rPr lang="en-US" dirty="0" smtClean="0"/>
+              <a:t>Fig: </a:t>
+            </a:r>
+            <a:r>
+              <a:rPr lang="en-US" dirty="0" err="1" smtClean="0"/>
+              <a:t>Jupyter</a:t>
+            </a:r>
+            <a:r>
+              <a:rPr lang="en-US" dirty="0" smtClean="0"/>
+              <a:t> Widget for playing audio</a:t>
+            </a:r>
+            <a:endParaRPr lang="en-US" dirty="0"/>
           </a:p>
         </p:txBody>
       </p:sp>
     </p:spTree>
     <p:extLst>
       <p:ext uri="{BB962C8B-B14F-4D97-AF65-F5344CB8AC3E}">
-        <p14:creationId xmlns:p14="http://schemas.microsoft.com/office/powerpoint/2010/main" val="903712574"/>
+        <p14:creationId xmlns:p14="http://schemas.microsoft.com/office/powerpoint/2010/main" val="2330329451"/>
       </p:ext>
     </p:extLst>
   </p:cSld>
@@ -7070,86 +7494,250 @@
           <a:chExt cx="0" cy="0"/>
         </a:xfrm>
       </p:grpSpPr>
-      <p:sp>
-        <p:nvSpPr>
-          <p:cNvPr id="2" name="Title 1">
+      <p:pic>
+        <p:nvPicPr>
+          <p:cNvPr id="4" name="Picture 3"/>
+          <p:cNvPicPr>
+            <a:picLocks noChangeAspect="1"/>
+          </p:cNvPicPr>
+          <p:nvPr/>
+        </p:nvPicPr>
+        <p:blipFill>
+          <a:blip r:embed="rId2">
             <a:extLst>
-              <a:ext uri="{FF2B5EF4-FFF2-40B4-BE49-F238E27FC236}">
-                <a16:creationId xmlns:a16="http://schemas.microsoft.com/office/drawing/2014/main" id="{96BF9D8A-480D-449E-A321-5C5D06E82AC9}"/>
+              <a:ext uri="{28A0092B-C50C-407E-A947-70E740481C1C}">
+                <a14:useLocalDpi xmlns:a14="http://schemas.microsoft.com/office/drawing/2010/main" val="0"/>
               </a:ext>
             </a:extLst>
-          </p:cNvPr>
-          <p:cNvSpPr>
-            <a:spLocks noGrp="1"/>
-          </p:cNvSpPr>
-          <p:nvPr>
-            <p:ph type="title"/>
-          </p:nvPr>
-        </p:nvSpPr>
-        <p:spPr/>
-        <p:txBody>
-          <a:bodyPr/>
-          <a:lstStyle/>
-          <a:p>
-            <a:r>
-              <a:rPr lang="en-US" dirty="0"/>
-              <a:t>dataset</a:t>
-            </a:r>
-          </a:p>
-        </p:txBody>
-      </p:sp>
-      <p:sp>
-        <p:nvSpPr>
-          <p:cNvPr id="3" name="Content Placeholder 2">
+          </a:blip>
+          <a:stretch>
+            <a:fillRect/>
+          </a:stretch>
+        </p:blipFill>
+        <p:spPr>
+          <a:xfrm>
+            <a:off x="785178" y="1"/>
+            <a:ext cx="5274799" cy="3290457"/>
+          </a:xfrm>
+          <a:prstGeom prst="rect">
+            <a:avLst/>
+          </a:prstGeom>
+        </p:spPr>
+      </p:pic>
+      <p:pic>
+        <p:nvPicPr>
+          <p:cNvPr id="5" name="Picture 4"/>
+          <p:cNvPicPr>
+            <a:picLocks noChangeAspect="1"/>
+          </p:cNvPicPr>
+          <p:nvPr/>
+        </p:nvPicPr>
+        <p:blipFill>
+          <a:blip r:embed="rId3">
             <a:extLst>
-              <a:ext uri="{FF2B5EF4-FFF2-40B4-BE49-F238E27FC236}">
-                <a16:creationId xmlns:a16="http://schemas.microsoft.com/office/drawing/2014/main" id="{DD07B987-7120-421C-B9AE-D29AC97D77B9}"/>
+              <a:ext uri="{28A0092B-C50C-407E-A947-70E740481C1C}">
+                <a14:useLocalDpi xmlns:a14="http://schemas.microsoft.com/office/drawing/2010/main" val="0"/>
               </a:ext>
             </a:extLst>
-          </p:cNvPr>
-          <p:cNvSpPr>
-            <a:spLocks noGrp="1"/>
-          </p:cNvSpPr>
-          <p:nvPr>
-            <p:ph idx="1"/>
-          </p:nvPr>
-        </p:nvSpPr>
-        <p:spPr/>
-        <p:txBody>
-          <a:bodyPr>
-            <a:normAutofit/>
+          </a:blip>
+          <a:stretch>
+            <a:fillRect/>
+          </a:stretch>
+        </p:blipFill>
+        <p:spPr>
+          <a:xfrm>
+            <a:off x="6675121" y="0"/>
+            <a:ext cx="4924490" cy="3290458"/>
+          </a:xfrm>
+          <a:prstGeom prst="rect">
+            <a:avLst/>
+          </a:prstGeom>
+        </p:spPr>
+      </p:pic>
+      <p:pic>
+        <p:nvPicPr>
+          <p:cNvPr id="6" name="Picture 5"/>
+          <p:cNvPicPr>
+            <a:picLocks noChangeAspect="1"/>
+          </p:cNvPicPr>
+          <p:nvPr/>
+        </p:nvPicPr>
+        <p:blipFill>
+          <a:blip r:embed="rId4">
+            <a:extLst>
+              <a:ext uri="{28A0092B-C50C-407E-A947-70E740481C1C}">
+                <a14:useLocalDpi xmlns:a14="http://schemas.microsoft.com/office/drawing/2010/main" val="0"/>
+              </a:ext>
+            </a:extLst>
+          </a:blip>
+          <a:stretch>
+            <a:fillRect/>
+          </a:stretch>
+        </p:blipFill>
+        <p:spPr>
+          <a:xfrm>
+            <a:off x="955962" y="3649598"/>
+            <a:ext cx="5104015" cy="2850956"/>
+          </a:xfrm>
+          <a:prstGeom prst="rect">
+            <a:avLst/>
+          </a:prstGeom>
+        </p:spPr>
+      </p:pic>
+      <p:pic>
+        <p:nvPicPr>
+          <p:cNvPr id="7" name="Picture 6"/>
+          <p:cNvPicPr>
+            <a:picLocks noChangeAspect="1"/>
+          </p:cNvPicPr>
+          <p:nvPr/>
+        </p:nvPicPr>
+        <p:blipFill>
+          <a:blip r:embed="rId5">
+            <a:extLst>
+              <a:ext uri="{28A0092B-C50C-407E-A947-70E740481C1C}">
+                <a14:useLocalDpi xmlns:a14="http://schemas.microsoft.com/office/drawing/2010/main" val="0"/>
+              </a:ext>
+            </a:extLst>
+          </a:blip>
+          <a:stretch>
+            <a:fillRect/>
+          </a:stretch>
+        </p:blipFill>
+        <p:spPr>
+          <a:xfrm>
+            <a:off x="6675121" y="3649598"/>
+            <a:ext cx="5331193" cy="2850956"/>
+          </a:xfrm>
+          <a:prstGeom prst="rect">
+            <a:avLst/>
+          </a:prstGeom>
+        </p:spPr>
+      </p:pic>
+      <p:sp>
+        <p:nvSpPr>
+          <p:cNvPr id="8" name="TextBox 7"/>
+          <p:cNvSpPr txBox="1"/>
+          <p:nvPr/>
+        </p:nvSpPr>
+        <p:spPr>
+          <a:xfrm>
+            <a:off x="2086495" y="3280266"/>
+            <a:ext cx="3067395" cy="369332"/>
+          </a:xfrm>
+          <a:prstGeom prst="rect">
+            <a:avLst/>
+          </a:prstGeom>
+          <a:noFill/>
+        </p:spPr>
+        <p:txBody>
+          <a:bodyPr wrap="square" rtlCol="0">
+            <a:spAutoFit/>
           </a:bodyPr>
           <a:lstStyle/>
           <a:p>
             <a:r>
-              <a:rPr lang="en-US" sz="3200" dirty="0"/>
-              <a:t>We’re obtaining our dataset from public GTZAN dataset.</a:t>
-            </a:r>
-          </a:p>
-          <a:p>
-            <a:endParaRPr lang="en-US" sz="3200" dirty="0"/>
-          </a:p>
-          <a:p>
-            <a:r>
-              <a:rPr lang="en-US" sz="3200" dirty="0"/>
-              <a:t>The dataset contains 1000 30-second audio clips.</a:t>
-            </a:r>
-          </a:p>
-          <a:p>
-            <a:endParaRPr lang="en-US" sz="3200" dirty="0"/>
-          </a:p>
-          <a:p>
-            <a:r>
-              <a:rPr lang="en-US" sz="3200" dirty="0"/>
-              <a:t>All songs are labeled as one out of 10 possible genres.</a:t>
-            </a:r>
+              <a:rPr lang="en-US" dirty="0" smtClean="0"/>
+              <a:t>Figure1: Monophonic wave</a:t>
+            </a:r>
+            <a:endParaRPr lang="en-US" dirty="0"/>
+          </a:p>
+        </p:txBody>
+      </p:sp>
+      <p:sp>
+        <p:nvSpPr>
+          <p:cNvPr id="9" name="TextBox 8"/>
+          <p:cNvSpPr txBox="1"/>
+          <p:nvPr/>
+        </p:nvSpPr>
+        <p:spPr>
+          <a:xfrm>
+            <a:off x="7908175" y="3290458"/>
+            <a:ext cx="3067395" cy="369332"/>
+          </a:xfrm>
+          <a:prstGeom prst="rect">
+            <a:avLst/>
+          </a:prstGeom>
+          <a:noFill/>
+        </p:spPr>
+        <p:txBody>
+          <a:bodyPr wrap="square" rtlCol="0">
+            <a:spAutoFit/>
+          </a:bodyPr>
+          <a:lstStyle/>
+          <a:p>
+            <a:r>
+              <a:rPr lang="en-US" dirty="0" smtClean="0"/>
+              <a:t>Figure2: Stereo wave</a:t>
+            </a:r>
+            <a:endParaRPr lang="en-US" dirty="0"/>
+          </a:p>
+        </p:txBody>
+      </p:sp>
+      <p:sp>
+        <p:nvSpPr>
+          <p:cNvPr id="10" name="TextBox 9"/>
+          <p:cNvSpPr txBox="1"/>
+          <p:nvPr/>
+        </p:nvSpPr>
+        <p:spPr>
+          <a:xfrm>
+            <a:off x="1745673" y="6500554"/>
+            <a:ext cx="4522124" cy="369332"/>
+          </a:xfrm>
+          <a:prstGeom prst="rect">
+            <a:avLst/>
+          </a:prstGeom>
+          <a:noFill/>
+        </p:spPr>
+        <p:txBody>
+          <a:bodyPr wrap="square" rtlCol="0">
+            <a:spAutoFit/>
+          </a:bodyPr>
+          <a:lstStyle/>
+          <a:p>
+            <a:r>
+              <a:rPr lang="en-US" dirty="0" smtClean="0"/>
+              <a:t>Figure3: Harmonic &amp; Percussive wave</a:t>
+            </a:r>
+            <a:endParaRPr lang="en-US" dirty="0"/>
+          </a:p>
+        </p:txBody>
+      </p:sp>
+      <p:sp>
+        <p:nvSpPr>
+          <p:cNvPr id="11" name="TextBox 10"/>
+          <p:cNvSpPr txBox="1"/>
+          <p:nvPr/>
+        </p:nvSpPr>
+        <p:spPr>
+          <a:xfrm>
+            <a:off x="8265622" y="6455418"/>
+            <a:ext cx="4522124" cy="369332"/>
+          </a:xfrm>
+          <a:prstGeom prst="rect">
+            <a:avLst/>
+          </a:prstGeom>
+          <a:noFill/>
+        </p:spPr>
+        <p:txBody>
+          <a:bodyPr wrap="square" rtlCol="0">
+            <a:spAutoFit/>
+          </a:bodyPr>
+          <a:lstStyle/>
+          <a:p>
+            <a:r>
+              <a:rPr lang="en-US" dirty="0" smtClean="0"/>
+              <a:t>Figure4: Spectrogram</a:t>
+            </a:r>
+            <a:endParaRPr lang="en-US" dirty="0"/>
           </a:p>
         </p:txBody>
       </p:sp>
     </p:spTree>
     <p:extLst>
       <p:ext uri="{BB962C8B-B14F-4D97-AF65-F5344CB8AC3E}">
-        <p14:creationId xmlns:p14="http://schemas.microsoft.com/office/powerpoint/2010/main" val="1711739491"/>
+        <p14:creationId xmlns:p14="http://schemas.microsoft.com/office/powerpoint/2010/main" val="1968155158"/>
       </p:ext>
     </p:extLst>
   </p:cSld>
@@ -7181,6 +7769,374 @@
           <p:cNvPr id="2" name="Title 1">
             <a:extLst>
               <a:ext uri="{FF2B5EF4-FFF2-40B4-BE49-F238E27FC236}">
+                <a16:creationId xmlns:a16="http://schemas.microsoft.com/office/drawing/2014/main" id="{E8CC4921-667D-4B42-B807-AB2EBB273685}"/>
+              </a:ext>
+            </a:extLst>
+          </p:cNvPr>
+          <p:cNvSpPr>
+            <a:spLocks noGrp="1"/>
+          </p:cNvSpPr>
+          <p:nvPr>
+            <p:ph type="title"/>
+          </p:nvPr>
+        </p:nvSpPr>
+        <p:spPr/>
+        <p:txBody>
+          <a:bodyPr/>
+          <a:lstStyle/>
+          <a:p>
+            <a:r>
+              <a:rPr lang="en-US" dirty="0" smtClean="0"/>
+              <a:t>Preprocessing:</a:t>
+            </a:r>
+            <a:endParaRPr lang="en-US" dirty="0"/>
+          </a:p>
+        </p:txBody>
+      </p:sp>
+      <p:sp>
+        <p:nvSpPr>
+          <p:cNvPr id="3" name="Content Placeholder 2">
+            <a:extLst>
+              <a:ext uri="{FF2B5EF4-FFF2-40B4-BE49-F238E27FC236}">
+                <a16:creationId xmlns:a16="http://schemas.microsoft.com/office/drawing/2014/main" id="{57140AEF-209F-421C-81C9-2EA67D9ECC6B}"/>
+              </a:ext>
+            </a:extLst>
+          </p:cNvPr>
+          <p:cNvSpPr>
+            <a:spLocks noGrp="1"/>
+          </p:cNvSpPr>
+          <p:nvPr>
+            <p:ph idx="1"/>
+          </p:nvPr>
+        </p:nvSpPr>
+        <p:spPr/>
+        <p:txBody>
+          <a:bodyPr>
+            <a:noAutofit/>
+          </a:bodyPr>
+          <a:lstStyle/>
+          <a:p>
+            <a:r>
+              <a:rPr lang="en-US" sz="2800" dirty="0" smtClean="0"/>
+              <a:t>Feature Extraction</a:t>
+            </a:r>
+          </a:p>
+          <a:p>
+            <a:pPr lvl="1"/>
+            <a:r>
+              <a:rPr lang="en-US" sz="2600" dirty="0" smtClean="0"/>
+              <a:t>Zero Crossing Rate</a:t>
+            </a:r>
+          </a:p>
+          <a:p>
+            <a:pPr lvl="1"/>
+            <a:r>
+              <a:rPr lang="en-US" sz="2600" dirty="0" smtClean="0"/>
+              <a:t>Spectral Centroid</a:t>
+            </a:r>
+          </a:p>
+          <a:p>
+            <a:pPr lvl="1"/>
+            <a:r>
+              <a:rPr lang="en-US" sz="2600" dirty="0" smtClean="0"/>
+              <a:t>Spectral Rolloff</a:t>
+            </a:r>
+          </a:p>
+          <a:p>
+            <a:pPr lvl="1"/>
+            <a:r>
+              <a:rPr lang="en-US" sz="2600" dirty="0" smtClean="0"/>
+              <a:t>Mel-Frequency Cepstral Coefficients</a:t>
+            </a:r>
+          </a:p>
+          <a:p>
+            <a:pPr lvl="1"/>
+            <a:r>
+              <a:rPr lang="en-US" sz="2600" dirty="0"/>
+              <a:t>Chroma Frequencies</a:t>
+            </a:r>
+            <a:endParaRPr lang="en-US" sz="2600" dirty="0" smtClean="0"/>
+          </a:p>
+          <a:p>
+            <a:pPr lvl="1"/>
+            <a:endParaRPr lang="en-US" sz="2600" dirty="0"/>
+          </a:p>
+        </p:txBody>
+      </p:sp>
+    </p:spTree>
+    <p:extLst>
+      <p:ext uri="{BB962C8B-B14F-4D97-AF65-F5344CB8AC3E}">
+        <p14:creationId xmlns:p14="http://schemas.microsoft.com/office/powerpoint/2010/main" val="903712574"/>
+      </p:ext>
+    </p:extLst>
+  </p:cSld>
+  <p:clrMapOvr>
+    <a:masterClrMapping/>
+  </p:clrMapOvr>
+</p:sld>
+</file>
+
+<file path=ppt/slides/slide6.xml><?xml version="1.0" encoding="utf-8"?>
+<p:sld xmlns:a="http://schemas.openxmlformats.org/drawingml/2006/main" xmlns:r="http://schemas.openxmlformats.org/officeDocument/2006/relationships" xmlns:p="http://schemas.openxmlformats.org/presentationml/2006/main">
+  <p:cSld>
+    <p:spTree>
+      <p:nvGrpSpPr>
+        <p:cNvPr id="1" name=""/>
+        <p:cNvGrpSpPr/>
+        <p:nvPr/>
+      </p:nvGrpSpPr>
+      <p:grpSpPr>
+        <a:xfrm>
+          <a:off x="0" y="0"/>
+          <a:ext cx="0" cy="0"/>
+          <a:chOff x="0" y="0"/>
+          <a:chExt cx="0" cy="0"/>
+        </a:xfrm>
+      </p:grpSpPr>
+      <p:sp>
+        <p:nvSpPr>
+          <p:cNvPr id="2" name="Title 1">
+            <a:extLst>
+              <a:ext uri="{FF2B5EF4-FFF2-40B4-BE49-F238E27FC236}">
+                <a16:creationId xmlns:a16="http://schemas.microsoft.com/office/drawing/2014/main" id="{96BF9D8A-480D-449E-A321-5C5D06E82AC9}"/>
+              </a:ext>
+            </a:extLst>
+          </p:cNvPr>
+          <p:cNvSpPr>
+            <a:spLocks noGrp="1"/>
+          </p:cNvSpPr>
+          <p:nvPr>
+            <p:ph type="title"/>
+          </p:nvPr>
+        </p:nvSpPr>
+        <p:spPr/>
+        <p:txBody>
+          <a:bodyPr/>
+          <a:lstStyle/>
+          <a:p>
+            <a:r>
+              <a:rPr lang="en-US" dirty="0" smtClean="0"/>
+              <a:t>Zero Crossing Rate:</a:t>
+            </a:r>
+            <a:endParaRPr lang="en-US" dirty="0"/>
+          </a:p>
+        </p:txBody>
+      </p:sp>
+      <p:pic>
+        <p:nvPicPr>
+          <p:cNvPr id="5" name="Picture 4"/>
+          <p:cNvPicPr>
+            <a:picLocks noChangeAspect="1"/>
+          </p:cNvPicPr>
+          <p:nvPr/>
+        </p:nvPicPr>
+        <p:blipFill>
+          <a:blip r:embed="rId2">
+            <a:extLst>
+              <a:ext uri="{28A0092B-C50C-407E-A947-70E740481C1C}">
+                <a14:useLocalDpi xmlns:a14="http://schemas.microsoft.com/office/drawing/2010/main" val="0"/>
+              </a:ext>
+            </a:extLst>
+          </a:blip>
+          <a:stretch>
+            <a:fillRect/>
+          </a:stretch>
+        </p:blipFill>
+        <p:spPr>
+          <a:xfrm>
+            <a:off x="3671332" y="1187164"/>
+            <a:ext cx="4508392" cy="1605722"/>
+          </a:xfrm>
+          <a:prstGeom prst="rect">
+            <a:avLst/>
+          </a:prstGeom>
+        </p:spPr>
+      </p:pic>
+      <p:pic>
+        <p:nvPicPr>
+          <p:cNvPr id="6" name="Picture 5"/>
+          <p:cNvPicPr>
+            <a:picLocks noChangeAspect="1"/>
+          </p:cNvPicPr>
+          <p:nvPr/>
+        </p:nvPicPr>
+        <p:blipFill>
+          <a:blip r:embed="rId3">
+            <a:extLst>
+              <a:ext uri="{28A0092B-C50C-407E-A947-70E740481C1C}">
+                <a14:useLocalDpi xmlns:a14="http://schemas.microsoft.com/office/drawing/2010/main" val="0"/>
+              </a:ext>
+            </a:extLst>
+          </a:blip>
+          <a:stretch>
+            <a:fillRect/>
+          </a:stretch>
+        </p:blipFill>
+        <p:spPr>
+          <a:xfrm>
+            <a:off x="3669885" y="5078951"/>
+            <a:ext cx="4508392" cy="1346787"/>
+          </a:xfrm>
+          <a:prstGeom prst="rect">
+            <a:avLst/>
+          </a:prstGeom>
+        </p:spPr>
+      </p:pic>
+      <p:pic>
+        <p:nvPicPr>
+          <p:cNvPr id="7" name="Picture 6"/>
+          <p:cNvPicPr>
+            <a:picLocks noChangeAspect="1"/>
+          </p:cNvPicPr>
+          <p:nvPr/>
+        </p:nvPicPr>
+        <p:blipFill>
+          <a:blip r:embed="rId4">
+            <a:extLst>
+              <a:ext uri="{28A0092B-C50C-407E-A947-70E740481C1C}">
+                <a14:useLocalDpi xmlns:a14="http://schemas.microsoft.com/office/drawing/2010/main" val="0"/>
+              </a:ext>
+            </a:extLst>
+          </a:blip>
+          <a:stretch>
+            <a:fillRect/>
+          </a:stretch>
+        </p:blipFill>
+        <p:spPr>
+          <a:xfrm>
+            <a:off x="3669885" y="3185410"/>
+            <a:ext cx="4508392" cy="1621297"/>
+          </a:xfrm>
+          <a:prstGeom prst="rect">
+            <a:avLst/>
+          </a:prstGeom>
+        </p:spPr>
+      </p:pic>
+      <p:sp>
+        <p:nvSpPr>
+          <p:cNvPr id="9" name="TextBox 8"/>
+          <p:cNvSpPr txBox="1"/>
+          <p:nvPr/>
+        </p:nvSpPr>
+        <p:spPr>
+          <a:xfrm>
+            <a:off x="5328458" y="2803344"/>
+            <a:ext cx="1660391" cy="369332"/>
+          </a:xfrm>
+          <a:prstGeom prst="rect">
+            <a:avLst/>
+          </a:prstGeom>
+          <a:noFill/>
+        </p:spPr>
+        <p:txBody>
+          <a:bodyPr wrap="none" rtlCol="0">
+            <a:spAutoFit/>
+          </a:bodyPr>
+          <a:lstStyle/>
+          <a:p>
+            <a:r>
+              <a:rPr lang="en-US" dirty="0" smtClean="0"/>
+              <a:t>Fig: ZCR blues  </a:t>
+            </a:r>
+            <a:endParaRPr lang="en-US" dirty="0"/>
+          </a:p>
+        </p:txBody>
+      </p:sp>
+      <p:sp>
+        <p:nvSpPr>
+          <p:cNvPr id="12" name="TextBox 11"/>
+          <p:cNvSpPr txBox="1"/>
+          <p:nvPr/>
+        </p:nvSpPr>
+        <p:spPr>
+          <a:xfrm>
+            <a:off x="4935765" y="6419376"/>
+            <a:ext cx="1695657" cy="369332"/>
+          </a:xfrm>
+          <a:prstGeom prst="rect">
+            <a:avLst/>
+          </a:prstGeom>
+          <a:noFill/>
+        </p:spPr>
+        <p:txBody>
+          <a:bodyPr wrap="none" rtlCol="0">
+            <a:spAutoFit/>
+          </a:bodyPr>
+          <a:lstStyle/>
+          <a:p>
+            <a:r>
+              <a:rPr lang="en-US" dirty="0" smtClean="0"/>
+              <a:t>Fig: ZCR Metal  </a:t>
+            </a:r>
+            <a:endParaRPr lang="en-US" dirty="0"/>
+          </a:p>
+        </p:txBody>
+      </p:sp>
+      <p:sp>
+        <p:nvSpPr>
+          <p:cNvPr id="13" name="TextBox 12"/>
+          <p:cNvSpPr txBox="1"/>
+          <p:nvPr/>
+        </p:nvSpPr>
+        <p:spPr>
+          <a:xfrm>
+            <a:off x="5167745" y="4862019"/>
+            <a:ext cx="1976631" cy="369332"/>
+          </a:xfrm>
+          <a:prstGeom prst="rect">
+            <a:avLst/>
+          </a:prstGeom>
+          <a:noFill/>
+        </p:spPr>
+        <p:txBody>
+          <a:bodyPr wrap="none" rtlCol="0">
+            <a:spAutoFit/>
+          </a:bodyPr>
+          <a:lstStyle/>
+          <a:p>
+            <a:r>
+              <a:rPr lang="en-US" dirty="0" smtClean="0"/>
+              <a:t>Fig: ZCR Country  </a:t>
+            </a:r>
+            <a:endParaRPr lang="en-US" dirty="0"/>
+          </a:p>
+        </p:txBody>
+      </p:sp>
+    </p:spTree>
+    <p:extLst>
+      <p:ext uri="{BB962C8B-B14F-4D97-AF65-F5344CB8AC3E}">
+        <p14:creationId xmlns:p14="http://schemas.microsoft.com/office/powerpoint/2010/main" val="1711739491"/>
+      </p:ext>
+    </p:extLst>
+  </p:cSld>
+  <p:clrMapOvr>
+    <a:masterClrMapping/>
+  </p:clrMapOvr>
+</p:sld>
+</file>
+
+<file path=ppt/slides/slide7.xml><?xml version="1.0" encoding="utf-8"?>
+<p:sld xmlns:a="http://schemas.openxmlformats.org/drawingml/2006/main" xmlns:r="http://schemas.openxmlformats.org/officeDocument/2006/relationships" xmlns:p="http://schemas.openxmlformats.org/presentationml/2006/main">
+  <p:cSld>
+    <p:spTree>
+      <p:nvGrpSpPr>
+        <p:cNvPr id="1" name=""/>
+        <p:cNvGrpSpPr/>
+        <p:nvPr/>
+      </p:nvGrpSpPr>
+      <p:grpSpPr>
+        <a:xfrm>
+          <a:off x="0" y="0"/>
+          <a:ext cx="0" cy="0"/>
+          <a:chOff x="0" y="0"/>
+          <a:chExt cx="0" cy="0"/>
+        </a:xfrm>
+      </p:grpSpPr>
+      <p:sp>
+        <p:nvSpPr>
+          <p:cNvPr id="2" name="Title 1">
+            <a:extLst>
+              <a:ext uri="{FF2B5EF4-FFF2-40B4-BE49-F238E27FC236}">
                 <a16:creationId xmlns:a16="http://schemas.microsoft.com/office/drawing/2014/main" id="{61C77F2F-775A-4391-9D91-E57EDE8FDC3C}"/>
               </a:ext>
             </a:extLst>
@@ -7198,76 +8154,610 @@
           <a:lstStyle/>
           <a:p>
             <a:r>
-              <a:rPr lang="en-US" dirty="0"/>
-              <a:t>Methods</a:t>
-            </a:r>
-          </a:p>
-        </p:txBody>
-      </p:sp>
-      <p:sp>
-        <p:nvSpPr>
-          <p:cNvPr id="3" name="Content Placeholder 2">
+              <a:rPr lang="en-US" dirty="0" smtClean="0"/>
+              <a:t>Spectral Centroids:</a:t>
+            </a:r>
+            <a:endParaRPr lang="en-US" dirty="0"/>
+          </a:p>
+        </p:txBody>
+      </p:sp>
+      <p:pic>
+        <p:nvPicPr>
+          <p:cNvPr id="6" name="Picture 5"/>
+          <p:cNvPicPr>
+            <a:picLocks noChangeAspect="1"/>
+          </p:cNvPicPr>
+          <p:nvPr/>
+        </p:nvPicPr>
+        <p:blipFill>
+          <a:blip r:embed="rId2">
             <a:extLst>
-              <a:ext uri="{FF2B5EF4-FFF2-40B4-BE49-F238E27FC236}">
-                <a16:creationId xmlns:a16="http://schemas.microsoft.com/office/drawing/2014/main" id="{32720674-072B-49CA-806E-F66D089AC23B}"/>
+              <a:ext uri="{28A0092B-C50C-407E-A947-70E740481C1C}">
+                <a14:useLocalDpi xmlns:a14="http://schemas.microsoft.com/office/drawing/2010/main" val="0"/>
               </a:ext>
             </a:extLst>
-          </p:cNvPr>
+          </a:blip>
+          <a:stretch>
+            <a:fillRect/>
+          </a:stretch>
+        </p:blipFill>
+        <p:spPr>
+          <a:xfrm>
+            <a:off x="7832895" y="2234815"/>
+            <a:ext cx="3106655" cy="1961077"/>
+          </a:xfrm>
+          <a:prstGeom prst="rect">
+            <a:avLst/>
+          </a:prstGeom>
+        </p:spPr>
+      </p:pic>
+      <p:pic>
+        <p:nvPicPr>
+          <p:cNvPr id="8" name="Picture 7"/>
+          <p:cNvPicPr>
+            <a:picLocks noChangeAspect="1"/>
+          </p:cNvPicPr>
+          <p:nvPr/>
+        </p:nvPicPr>
+        <p:blipFill>
+          <a:blip r:embed="rId3">
+            <a:extLst>
+              <a:ext uri="{28A0092B-C50C-407E-A947-70E740481C1C}">
+                <a14:useLocalDpi xmlns:a14="http://schemas.microsoft.com/office/drawing/2010/main" val="0"/>
+              </a:ext>
+            </a:extLst>
+          </a:blip>
+          <a:stretch>
+            <a:fillRect/>
+          </a:stretch>
+        </p:blipFill>
+        <p:spPr>
+          <a:xfrm>
+            <a:off x="1555580" y="1321475"/>
+            <a:ext cx="3207614" cy="1826679"/>
+          </a:xfrm>
+          <a:prstGeom prst="rect">
+            <a:avLst/>
+          </a:prstGeom>
+        </p:spPr>
+      </p:pic>
+      <p:pic>
+        <p:nvPicPr>
+          <p:cNvPr id="9" name="Picture 8"/>
+          <p:cNvPicPr>
+            <a:picLocks noChangeAspect="1"/>
+          </p:cNvPicPr>
+          <p:nvPr/>
+        </p:nvPicPr>
+        <p:blipFill>
+          <a:blip r:embed="rId4">
+            <a:extLst>
+              <a:ext uri="{28A0092B-C50C-407E-A947-70E740481C1C}">
+                <a14:useLocalDpi xmlns:a14="http://schemas.microsoft.com/office/drawing/2010/main" val="0"/>
+              </a:ext>
+            </a:extLst>
+          </a:blip>
+          <a:stretch>
+            <a:fillRect/>
+          </a:stretch>
+        </p:blipFill>
+        <p:spPr>
+          <a:xfrm>
+            <a:off x="4218921" y="4221644"/>
+            <a:ext cx="3172268" cy="2086266"/>
+          </a:xfrm>
+          <a:prstGeom prst="rect">
+            <a:avLst/>
+          </a:prstGeom>
+        </p:spPr>
+      </p:pic>
+      <p:sp>
+        <p:nvSpPr>
+          <p:cNvPr id="10" name="TextBox 9"/>
+          <p:cNvSpPr txBox="1"/>
+          <p:nvPr/>
+        </p:nvSpPr>
+        <p:spPr>
+          <a:xfrm>
+            <a:off x="2308673" y="3315567"/>
+            <a:ext cx="1701428" cy="369332"/>
+          </a:xfrm>
+          <a:prstGeom prst="rect">
+            <a:avLst/>
+          </a:prstGeom>
+          <a:noFill/>
+        </p:spPr>
+        <p:txBody>
+          <a:bodyPr wrap="none" rtlCol="0">
+            <a:spAutoFit/>
+          </a:bodyPr>
+          <a:lstStyle/>
+          <a:p>
+            <a:r>
+              <a:rPr lang="en-US" dirty="0" smtClean="0"/>
+              <a:t>Fig: SC for Blues</a:t>
+            </a:r>
+            <a:endParaRPr lang="en-US" dirty="0"/>
+          </a:p>
+        </p:txBody>
+      </p:sp>
+      <p:sp>
+        <p:nvSpPr>
+          <p:cNvPr id="11" name="TextBox 10"/>
+          <p:cNvSpPr txBox="1"/>
+          <p:nvPr/>
+        </p:nvSpPr>
+        <p:spPr>
+          <a:xfrm>
+            <a:off x="8628235" y="4371524"/>
+            <a:ext cx="1722266" cy="646331"/>
+          </a:xfrm>
+          <a:prstGeom prst="rect">
+            <a:avLst/>
+          </a:prstGeom>
+          <a:noFill/>
+        </p:spPr>
+        <p:txBody>
+          <a:bodyPr wrap="none" rtlCol="0">
+            <a:spAutoFit/>
+          </a:bodyPr>
+          <a:lstStyle/>
+          <a:p>
+            <a:r>
+              <a:rPr lang="en-US" dirty="0" smtClean="0"/>
+              <a:t>Fig: SC for Metal</a:t>
+            </a:r>
+            <a:br>
+              <a:rPr lang="en-US" dirty="0" smtClean="0"/>
+            </a:br>
+            <a:endParaRPr lang="en-US" dirty="0"/>
+          </a:p>
+        </p:txBody>
+      </p:sp>
+      <p:sp>
+        <p:nvSpPr>
+          <p:cNvPr id="12" name="TextBox 11"/>
+          <p:cNvSpPr txBox="1"/>
+          <p:nvPr/>
+        </p:nvSpPr>
+        <p:spPr>
+          <a:xfrm>
+            <a:off x="4954341" y="6307910"/>
+            <a:ext cx="1722266" cy="369332"/>
+          </a:xfrm>
+          <a:prstGeom prst="rect">
+            <a:avLst/>
+          </a:prstGeom>
+          <a:noFill/>
+        </p:spPr>
+        <p:txBody>
+          <a:bodyPr wrap="none" rtlCol="0">
+            <a:spAutoFit/>
+          </a:bodyPr>
+          <a:lstStyle/>
+          <a:p>
+            <a:r>
+              <a:rPr lang="en-US" dirty="0" smtClean="0"/>
+              <a:t>Fig: SC for Metal</a:t>
+            </a:r>
+            <a:endParaRPr lang="en-US" dirty="0"/>
+          </a:p>
+        </p:txBody>
+      </p:sp>
+    </p:spTree>
+    <p:extLst>
+      <p:ext uri="{BB962C8B-B14F-4D97-AF65-F5344CB8AC3E}">
+        <p14:creationId xmlns:p14="http://schemas.microsoft.com/office/powerpoint/2010/main" val="2477565918"/>
+      </p:ext>
+    </p:extLst>
+  </p:cSld>
+  <p:clrMapOvr>
+    <a:masterClrMapping/>
+  </p:clrMapOvr>
+</p:sld>
+</file>
+
+<file path=ppt/slides/slide8.xml><?xml version="1.0" encoding="utf-8"?>
+<p:sld xmlns:a="http://schemas.openxmlformats.org/drawingml/2006/main" xmlns:r="http://schemas.openxmlformats.org/officeDocument/2006/relationships" xmlns:p="http://schemas.openxmlformats.org/presentationml/2006/main">
+  <p:cSld>
+    <p:spTree>
+      <p:nvGrpSpPr>
+        <p:cNvPr id="1" name=""/>
+        <p:cNvGrpSpPr/>
+        <p:nvPr/>
+      </p:nvGrpSpPr>
+      <p:grpSpPr>
+        <a:xfrm>
+          <a:off x="0" y="0"/>
+          <a:ext cx="0" cy="0"/>
+          <a:chOff x="0" y="0"/>
+          <a:chExt cx="0" cy="0"/>
+        </a:xfrm>
+      </p:grpSpPr>
+      <p:sp>
+        <p:nvSpPr>
+          <p:cNvPr id="2" name="Title 1"/>
           <p:cNvSpPr>
             <a:spLocks noGrp="1"/>
           </p:cNvSpPr>
           <p:nvPr>
-            <p:ph idx="1"/>
+            <p:ph type="title"/>
           </p:nvPr>
         </p:nvSpPr>
         <p:spPr/>
         <p:txBody>
-          <a:bodyPr>
-            <a:normAutofit/>
+          <a:bodyPr/>
+          <a:lstStyle/>
+          <a:p>
+            <a:r>
+              <a:rPr lang="en-US" dirty="0" smtClean="0"/>
+              <a:t>Spectral Rolloff</a:t>
+            </a:r>
+            <a:endParaRPr lang="en-US" dirty="0"/>
+          </a:p>
+        </p:txBody>
+      </p:sp>
+      <p:pic>
+        <p:nvPicPr>
+          <p:cNvPr id="4" name="Picture 3"/>
+          <p:cNvPicPr>
+            <a:picLocks noChangeAspect="1"/>
+          </p:cNvPicPr>
+          <p:nvPr/>
+        </p:nvPicPr>
+        <p:blipFill>
+          <a:blip r:embed="rId2">
+            <a:extLst>
+              <a:ext uri="{28A0092B-C50C-407E-A947-70E740481C1C}">
+                <a14:useLocalDpi xmlns:a14="http://schemas.microsoft.com/office/drawing/2010/main" val="0"/>
+              </a:ext>
+            </a:extLst>
+          </a:blip>
+          <a:stretch>
+            <a:fillRect/>
+          </a:stretch>
+        </p:blipFill>
+        <p:spPr>
+          <a:xfrm>
+            <a:off x="6828675" y="2085442"/>
+            <a:ext cx="4601325" cy="2993633"/>
+          </a:xfrm>
+          <a:prstGeom prst="rect">
+            <a:avLst/>
+          </a:prstGeom>
+        </p:spPr>
+      </p:pic>
+      <p:pic>
+        <p:nvPicPr>
+          <p:cNvPr id="5" name="Picture 4"/>
+          <p:cNvPicPr>
+            <a:picLocks noChangeAspect="1"/>
+          </p:cNvPicPr>
+          <p:nvPr/>
+        </p:nvPicPr>
+        <p:blipFill>
+          <a:blip r:embed="rId3">
+            <a:extLst>
+              <a:ext uri="{28A0092B-C50C-407E-A947-70E740481C1C}">
+                <a14:useLocalDpi xmlns:a14="http://schemas.microsoft.com/office/drawing/2010/main" val="0"/>
+              </a:ext>
+            </a:extLst>
+          </a:blip>
+          <a:stretch>
+            <a:fillRect/>
+          </a:stretch>
+        </p:blipFill>
+        <p:spPr>
+          <a:xfrm>
+            <a:off x="1498322" y="2085441"/>
+            <a:ext cx="4659900" cy="2993633"/>
+          </a:xfrm>
+          <a:prstGeom prst="rect">
+            <a:avLst/>
+          </a:prstGeom>
+        </p:spPr>
+      </p:pic>
+      <p:sp>
+        <p:nvSpPr>
+          <p:cNvPr id="6" name="TextBox 5"/>
+          <p:cNvSpPr txBox="1"/>
+          <p:nvPr/>
+        </p:nvSpPr>
+        <p:spPr>
+          <a:xfrm>
+            <a:off x="2801013" y="5289998"/>
+            <a:ext cx="1677382" cy="369332"/>
+          </a:xfrm>
+          <a:prstGeom prst="rect">
+            <a:avLst/>
+          </a:prstGeom>
+          <a:noFill/>
+        </p:spPr>
+        <p:txBody>
+          <a:bodyPr wrap="none" rtlCol="0">
+            <a:spAutoFit/>
           </a:bodyPr>
           <a:lstStyle/>
           <a:p>
-            <a:pPr marL="0" indent="0">
-              <a:buNone/>
-            </a:pPr>
-            <a:r>
-              <a:rPr lang="en-US" sz="3200" dirty="0"/>
-              <a:t>We’ll be implementing:</a:t>
-            </a:r>
-          </a:p>
-          <a:p>
-            <a:r>
-              <a:rPr lang="en-US" sz="3200" dirty="0"/>
-              <a:t>Vanilla Feed-Forward Neural Network</a:t>
-            </a:r>
-          </a:p>
-          <a:p>
-            <a:r>
-              <a:rPr lang="en-US" sz="3200" dirty="0"/>
-              <a:t>K-Nearest Neighbors</a:t>
-            </a:r>
-          </a:p>
-          <a:p>
-            <a:r>
-              <a:rPr lang="en-US" sz="3200" dirty="0"/>
-              <a:t>Support Vector Machine </a:t>
-            </a:r>
-          </a:p>
-          <a:p>
-            <a:r>
-              <a:rPr lang="en-US" sz="3200" dirty="0"/>
-              <a:t>Convolutional Neural Network</a:t>
-            </a:r>
-          </a:p>
-          <a:p>
-            <a:endParaRPr lang="en-US" sz="3200" dirty="0"/>
+            <a:r>
+              <a:rPr lang="en-US" dirty="0" smtClean="0"/>
+              <a:t>Fig: SR for Blues</a:t>
+            </a:r>
+            <a:endParaRPr lang="en-US" dirty="0"/>
+          </a:p>
+        </p:txBody>
+      </p:sp>
+      <p:sp>
+        <p:nvSpPr>
+          <p:cNvPr id="7" name="TextBox 6"/>
+          <p:cNvSpPr txBox="1"/>
+          <p:nvPr/>
+        </p:nvSpPr>
+        <p:spPr>
+          <a:xfrm>
+            <a:off x="8387166" y="5289998"/>
+            <a:ext cx="1698222" cy="369332"/>
+          </a:xfrm>
+          <a:prstGeom prst="rect">
+            <a:avLst/>
+          </a:prstGeom>
+          <a:noFill/>
+        </p:spPr>
+        <p:txBody>
+          <a:bodyPr wrap="none" rtlCol="0">
+            <a:spAutoFit/>
+          </a:bodyPr>
+          <a:lstStyle/>
+          <a:p>
+            <a:r>
+              <a:rPr lang="en-US" dirty="0" smtClean="0"/>
+              <a:t>Fig: SR for Metal</a:t>
+            </a:r>
+            <a:endParaRPr lang="en-US" dirty="0"/>
           </a:p>
         </p:txBody>
       </p:sp>
     </p:spTree>
     <p:extLst>
       <p:ext uri="{BB962C8B-B14F-4D97-AF65-F5344CB8AC3E}">
-        <p14:creationId xmlns:p14="http://schemas.microsoft.com/office/powerpoint/2010/main" val="2477565918"/>
+        <p14:creationId xmlns:p14="http://schemas.microsoft.com/office/powerpoint/2010/main" val="3502446816"/>
+      </p:ext>
+    </p:extLst>
+  </p:cSld>
+  <p:clrMapOvr>
+    <a:masterClrMapping/>
+  </p:clrMapOvr>
+</p:sld>
+</file>
+
+<file path=ppt/slides/slide9.xml><?xml version="1.0" encoding="utf-8"?>
+<p:sld xmlns:a="http://schemas.openxmlformats.org/drawingml/2006/main" xmlns:r="http://schemas.openxmlformats.org/officeDocument/2006/relationships" xmlns:p="http://schemas.openxmlformats.org/presentationml/2006/main">
+  <p:cSld>
+    <p:spTree>
+      <p:nvGrpSpPr>
+        <p:cNvPr id="1" name=""/>
+        <p:cNvGrpSpPr/>
+        <p:nvPr/>
+      </p:nvGrpSpPr>
+      <p:grpSpPr>
+        <a:xfrm>
+          <a:off x="0" y="0"/>
+          <a:ext cx="0" cy="0"/>
+          <a:chOff x="0" y="0"/>
+          <a:chExt cx="0" cy="0"/>
+        </a:xfrm>
+      </p:grpSpPr>
+      <p:sp>
+        <p:nvSpPr>
+          <p:cNvPr id="2" name="Title 1"/>
+          <p:cNvSpPr>
+            <a:spLocks noGrp="1"/>
+          </p:cNvSpPr>
+          <p:nvPr>
+            <p:ph type="title"/>
+          </p:nvPr>
+        </p:nvSpPr>
+        <p:spPr/>
+        <p:txBody>
+          <a:bodyPr/>
+          <a:lstStyle/>
+          <a:p>
+            <a:r>
+              <a:rPr lang="en-US" dirty="0" smtClean="0"/>
+              <a:t>Mel-frequencies </a:t>
+            </a:r>
+            <a:r>
+              <a:rPr lang="en-US" dirty="0" err="1" smtClean="0"/>
+              <a:t>coefficiets</a:t>
+            </a:r>
+            <a:endParaRPr lang="en-US" dirty="0"/>
+          </a:p>
+        </p:txBody>
+      </p:sp>
+      <p:pic>
+        <p:nvPicPr>
+          <p:cNvPr id="4" name="Picture 3"/>
+          <p:cNvPicPr>
+            <a:picLocks noChangeAspect="1"/>
+          </p:cNvPicPr>
+          <p:nvPr/>
+        </p:nvPicPr>
+        <p:blipFill>
+          <a:blip r:embed="rId2">
+            <a:extLst>
+              <a:ext uri="{28A0092B-C50C-407E-A947-70E740481C1C}">
+                <a14:useLocalDpi xmlns:a14="http://schemas.microsoft.com/office/drawing/2010/main" val="0"/>
+              </a:ext>
+            </a:extLst>
+          </a:blip>
+          <a:stretch>
+            <a:fillRect/>
+          </a:stretch>
+        </p:blipFill>
+        <p:spPr>
+          <a:xfrm>
+            <a:off x="1161050" y="1409418"/>
+            <a:ext cx="3153215" cy="2019582"/>
+          </a:xfrm>
+          <a:prstGeom prst="rect">
+            <a:avLst/>
+          </a:prstGeom>
+        </p:spPr>
+      </p:pic>
+      <p:pic>
+        <p:nvPicPr>
+          <p:cNvPr id="5" name="Picture 4"/>
+          <p:cNvPicPr>
+            <a:picLocks noChangeAspect="1"/>
+          </p:cNvPicPr>
+          <p:nvPr/>
+        </p:nvPicPr>
+        <p:blipFill>
+          <a:blip r:embed="rId3">
+            <a:extLst>
+              <a:ext uri="{28A0092B-C50C-407E-A947-70E740481C1C}">
+                <a14:useLocalDpi xmlns:a14="http://schemas.microsoft.com/office/drawing/2010/main" val="0"/>
+              </a:ext>
+            </a:extLst>
+          </a:blip>
+          <a:stretch>
+            <a:fillRect/>
+          </a:stretch>
+        </p:blipFill>
+        <p:spPr>
+          <a:xfrm>
+            <a:off x="4562261" y="2423972"/>
+            <a:ext cx="3067478" cy="2010056"/>
+          </a:xfrm>
+          <a:prstGeom prst="rect">
+            <a:avLst/>
+          </a:prstGeom>
+        </p:spPr>
+      </p:pic>
+      <p:pic>
+        <p:nvPicPr>
+          <p:cNvPr id="6" name="Picture 5"/>
+          <p:cNvPicPr>
+            <a:picLocks noChangeAspect="1"/>
+          </p:cNvPicPr>
+          <p:nvPr/>
+        </p:nvPicPr>
+        <p:blipFill>
+          <a:blip r:embed="rId4">
+            <a:extLst>
+              <a:ext uri="{28A0092B-C50C-407E-A947-70E740481C1C}">
+                <a14:useLocalDpi xmlns:a14="http://schemas.microsoft.com/office/drawing/2010/main" val="0"/>
+              </a:ext>
+            </a:extLst>
+          </a:blip>
+          <a:stretch>
+            <a:fillRect/>
+          </a:stretch>
+        </p:blipFill>
+        <p:spPr>
+          <a:xfrm>
+            <a:off x="7877735" y="3509300"/>
+            <a:ext cx="3124636" cy="2067213"/>
+          </a:xfrm>
+          <a:prstGeom prst="rect">
+            <a:avLst/>
+          </a:prstGeom>
+        </p:spPr>
+      </p:pic>
+      <p:sp>
+        <p:nvSpPr>
+          <p:cNvPr id="7" name="TextBox 6"/>
+          <p:cNvSpPr txBox="1"/>
+          <p:nvPr/>
+        </p:nvSpPr>
+        <p:spPr>
+          <a:xfrm>
+            <a:off x="1770235" y="3509300"/>
+            <a:ext cx="2047676" cy="369332"/>
+          </a:xfrm>
+          <a:prstGeom prst="rect">
+            <a:avLst/>
+          </a:prstGeom>
+          <a:noFill/>
+        </p:spPr>
+        <p:txBody>
+          <a:bodyPr wrap="none" rtlCol="0">
+            <a:spAutoFit/>
+          </a:bodyPr>
+          <a:lstStyle/>
+          <a:p>
+            <a:r>
+              <a:rPr lang="en-US" dirty="0" smtClean="0"/>
+              <a:t>Fig: MFCC for Blues</a:t>
+            </a:r>
+            <a:endParaRPr lang="en-US" dirty="0"/>
+          </a:p>
+        </p:txBody>
+      </p:sp>
+      <p:sp>
+        <p:nvSpPr>
+          <p:cNvPr id="8" name="TextBox 7"/>
+          <p:cNvSpPr txBox="1"/>
+          <p:nvPr/>
+        </p:nvSpPr>
+        <p:spPr>
+          <a:xfrm>
+            <a:off x="5139661" y="4542906"/>
+            <a:ext cx="2349489" cy="369332"/>
+          </a:xfrm>
+          <a:prstGeom prst="rect">
+            <a:avLst/>
+          </a:prstGeom>
+          <a:noFill/>
+        </p:spPr>
+        <p:txBody>
+          <a:bodyPr wrap="none" rtlCol="0">
+            <a:spAutoFit/>
+          </a:bodyPr>
+          <a:lstStyle/>
+          <a:p>
+            <a:r>
+              <a:rPr lang="en-US" dirty="0" smtClean="0"/>
+              <a:t>Fig: MFCC for Country</a:t>
+            </a:r>
+            <a:endParaRPr lang="en-US" dirty="0"/>
+          </a:p>
+        </p:txBody>
+      </p:sp>
+      <p:sp>
+        <p:nvSpPr>
+          <p:cNvPr id="9" name="TextBox 8"/>
+          <p:cNvSpPr txBox="1"/>
+          <p:nvPr/>
+        </p:nvSpPr>
+        <p:spPr>
+          <a:xfrm>
+            <a:off x="8416215" y="5612879"/>
+            <a:ext cx="2068515" cy="369332"/>
+          </a:xfrm>
+          <a:prstGeom prst="rect">
+            <a:avLst/>
+          </a:prstGeom>
+          <a:noFill/>
+        </p:spPr>
+        <p:txBody>
+          <a:bodyPr wrap="none" rtlCol="0">
+            <a:spAutoFit/>
+          </a:bodyPr>
+          <a:lstStyle/>
+          <a:p>
+            <a:r>
+              <a:rPr lang="en-US" dirty="0" smtClean="0"/>
+              <a:t>Fig: MFCC for Metal</a:t>
+            </a:r>
+            <a:endParaRPr lang="en-US" dirty="0"/>
+          </a:p>
+        </p:txBody>
+      </p:sp>
+    </p:spTree>
+    <p:extLst>
+      <p:ext uri="{BB962C8B-B14F-4D97-AF65-F5344CB8AC3E}">
+        <p14:creationId xmlns:p14="http://schemas.microsoft.com/office/powerpoint/2010/main" val="1990935875"/>
       </p:ext>
     </p:extLst>
   </p:cSld>
